--- a/.lessons/15 Fundamental Database - Migration and Seeding/4 Important Migration Commands/1.pptx
+++ b/.lessons/15 Fundamental Database - Migration and Seeding/4 Important Migration Commands/1.pptx
@@ -7,6 +7,9 @@
   <p:sldIdLst>
     <p:sldId id="385" r:id="rId2"/>
     <p:sldId id="386" r:id="rId3"/>
+    <p:sldId id="387" r:id="rId4"/>
+    <p:sldId id="388" r:id="rId5"/>
+    <p:sldId id="389" r:id="rId6"/>
   </p:sldIdLst>
   <p:sldSz cx="12192000" cy="6858000"/>
   <p:notesSz cx="6858000" cy="9144000"/>
@@ -260,7 +263,7 @@
           <a:p>
             <a:fld id="{3E102D2E-813C-461C-9963-687A650C48C0}" type="datetimeFigureOut">
               <a:rPr lang="en-US" smtClean="0"/>
-              <a:t>4/21/2025</a:t>
+              <a:t>4/22/2025</a:t>
             </a:fld>
             <a:endParaRPr lang="en-US"/>
           </a:p>
@@ -458,7 +461,7 @@
           <a:p>
             <a:fld id="{3E102D2E-813C-461C-9963-687A650C48C0}" type="datetimeFigureOut">
               <a:rPr lang="en-US" smtClean="0"/>
-              <a:t>4/21/2025</a:t>
+              <a:t>4/22/2025</a:t>
             </a:fld>
             <a:endParaRPr lang="en-US"/>
           </a:p>
@@ -666,7 +669,7 @@
           <a:p>
             <a:fld id="{3E102D2E-813C-461C-9963-687A650C48C0}" type="datetimeFigureOut">
               <a:rPr lang="en-US" smtClean="0"/>
-              <a:t>4/21/2025</a:t>
+              <a:t>4/22/2025</a:t>
             </a:fld>
             <a:endParaRPr lang="en-US"/>
           </a:p>
@@ -864,7 +867,7 @@
           <a:p>
             <a:fld id="{3E102D2E-813C-461C-9963-687A650C48C0}" type="datetimeFigureOut">
               <a:rPr lang="en-US" smtClean="0"/>
-              <a:t>4/21/2025</a:t>
+              <a:t>4/22/2025</a:t>
             </a:fld>
             <a:endParaRPr lang="en-US"/>
           </a:p>
@@ -1139,7 +1142,7 @@
           <a:p>
             <a:fld id="{3E102D2E-813C-461C-9963-687A650C48C0}" type="datetimeFigureOut">
               <a:rPr lang="en-US" smtClean="0"/>
-              <a:t>4/21/2025</a:t>
+              <a:t>4/22/2025</a:t>
             </a:fld>
             <a:endParaRPr lang="en-US"/>
           </a:p>
@@ -1404,7 +1407,7 @@
           <a:p>
             <a:fld id="{3E102D2E-813C-461C-9963-687A650C48C0}" type="datetimeFigureOut">
               <a:rPr lang="en-US" smtClean="0"/>
-              <a:t>4/21/2025</a:t>
+              <a:t>4/22/2025</a:t>
             </a:fld>
             <a:endParaRPr lang="en-US"/>
           </a:p>
@@ -1816,7 +1819,7 @@
           <a:p>
             <a:fld id="{3E102D2E-813C-461C-9963-687A650C48C0}" type="datetimeFigureOut">
               <a:rPr lang="en-US" smtClean="0"/>
-              <a:t>4/21/2025</a:t>
+              <a:t>4/22/2025</a:t>
             </a:fld>
             <a:endParaRPr lang="en-US"/>
           </a:p>
@@ -1957,7 +1960,7 @@
           <a:p>
             <a:fld id="{3E102D2E-813C-461C-9963-687A650C48C0}" type="datetimeFigureOut">
               <a:rPr lang="en-US" smtClean="0"/>
-              <a:t>4/21/2025</a:t>
+              <a:t>4/22/2025</a:t>
             </a:fld>
             <a:endParaRPr lang="en-US"/>
           </a:p>
@@ -2070,7 +2073,7 @@
           <a:p>
             <a:fld id="{3E102D2E-813C-461C-9963-687A650C48C0}" type="datetimeFigureOut">
               <a:rPr lang="en-US" smtClean="0"/>
-              <a:t>4/21/2025</a:t>
+              <a:t>4/22/2025</a:t>
             </a:fld>
             <a:endParaRPr lang="en-US"/>
           </a:p>
@@ -2381,7 +2384,7 @@
           <a:p>
             <a:fld id="{3E102D2E-813C-461C-9963-687A650C48C0}" type="datetimeFigureOut">
               <a:rPr lang="en-US" smtClean="0"/>
-              <a:t>4/21/2025</a:t>
+              <a:t>4/22/2025</a:t>
             </a:fld>
             <a:endParaRPr lang="en-US"/>
           </a:p>
@@ -2669,7 +2672,7 @@
           <a:p>
             <a:fld id="{3E102D2E-813C-461C-9963-687A650C48C0}" type="datetimeFigureOut">
               <a:rPr lang="en-US" smtClean="0"/>
-              <a:t>4/21/2025</a:t>
+              <a:t>4/22/2025</a:t>
             </a:fld>
             <a:endParaRPr lang="en-US"/>
           </a:p>
@@ -2910,7 +2913,7 @@
           <a:p>
             <a:fld id="{3E102D2E-813C-461C-9963-687A650C48C0}" type="datetimeFigureOut">
               <a:rPr lang="en-US" smtClean="0"/>
-              <a:t>4/21/2025</a:t>
+              <a:t>4/22/2025</a:t>
             </a:fld>
             <a:endParaRPr lang="en-US"/>
           </a:p>
@@ -3348,7 +3351,7 @@
         <p:spPr>
           <a:xfrm>
             <a:off x="217714" y="255046"/>
-            <a:ext cx="11756571" cy="355354"/>
+            <a:ext cx="11756571" cy="5756832"/>
           </a:xfrm>
           <a:prstGeom prst="rect">
             <a:avLst/>
@@ -3378,7 +3381,479 @@
                 <a:effectLst/>
                 <a:latin typeface="Arial" panose="020B0604020202020204" pitchFamily="34" charset="0"/>
               </a:rPr>
-              <a:t>.</a:t>
+              <a:t>Ən Vacib Migration Əmrləri və Onların İstifadəsi</a:t>
+            </a:r>
+            <a:endParaRPr kumimoji="0" lang="az-Latn-AZ" altLang="en-US" sz="1300" b="0" i="0" u="none" strike="noStrike" cap="none" normalizeH="0" baseline="0">
+              <a:ln>
+                <a:noFill/>
+              </a:ln>
+              <a:solidFill>
+                <a:schemeClr val="tx1"/>
+              </a:solidFill>
+              <a:effectLst/>
+              <a:latin typeface="Arial" panose="020B0604020202020204" pitchFamily="34" charset="0"/>
+            </a:endParaRPr>
+          </a:p>
+          <a:p>
+            <a:pPr>
+              <a:lnSpc>
+                <a:spcPct val="150000"/>
+              </a:lnSpc>
+              <a:buNone/>
+            </a:pPr>
+            <a:endParaRPr kumimoji="0" lang="en-US" altLang="en-US" sz="1300" b="0" i="0" u="none" strike="noStrike" cap="none" normalizeH="0" baseline="0">
+              <a:ln>
+                <a:noFill/>
+              </a:ln>
+              <a:solidFill>
+                <a:schemeClr val="tx1"/>
+              </a:solidFill>
+              <a:effectLst/>
+              <a:latin typeface="Arial" panose="020B0604020202020204" pitchFamily="34" charset="0"/>
+            </a:endParaRPr>
+          </a:p>
+          <a:p>
+            <a:pPr>
+              <a:lnSpc>
+                <a:spcPct val="150000"/>
+              </a:lnSpc>
+              <a:buNone/>
+            </a:pPr>
+            <a:r>
+              <a:rPr kumimoji="0" lang="en-US" altLang="en-US" sz="1300" b="0" i="0" u="none" strike="noStrike" cap="none" normalizeH="0" baseline="0">
+                <a:ln>
+                  <a:noFill/>
+                </a:ln>
+                <a:solidFill>
+                  <a:schemeClr val="tx1"/>
+                </a:solidFill>
+                <a:effectLst/>
+                <a:latin typeface="Arial" panose="020B0604020202020204" pitchFamily="34" charset="0"/>
+              </a:rPr>
+              <a:t>1️⃣ </a:t>
+            </a:r>
+            <a:r>
+              <a:rPr kumimoji="0" lang="en-US" altLang="en-US" sz="1300" b="1" i="0" u="none" strike="noStrike" cap="none" normalizeH="0" baseline="0">
+                <a:ln>
+                  <a:noFill/>
+                </a:ln>
+                <a:solidFill>
+                  <a:srgbClr val="FF0000"/>
+                </a:solidFill>
+                <a:effectLst/>
+                <a:latin typeface="Arial" panose="020B0604020202020204" pitchFamily="34" charset="0"/>
+              </a:rPr>
+              <a:t>php artisan migrate</a:t>
+            </a:r>
+          </a:p>
+          <a:p>
+            <a:pPr>
+              <a:lnSpc>
+                <a:spcPct val="150000"/>
+              </a:lnSpc>
+              <a:buNone/>
+            </a:pPr>
+            <a:r>
+              <a:rPr kumimoji="0" lang="en-US" altLang="en-US" sz="1300" b="1" i="0" u="none" strike="noStrike" cap="none" normalizeH="0" baseline="0">
+                <a:ln>
+                  <a:noFill/>
+                </a:ln>
+                <a:solidFill>
+                  <a:schemeClr val="tx1"/>
+                </a:solidFill>
+                <a:effectLst/>
+                <a:latin typeface="Arial" panose="020B0604020202020204" pitchFamily="34" charset="0"/>
+              </a:rPr>
+              <a:t>database/migrations/ </a:t>
+            </a:r>
+            <a:r>
+              <a:rPr kumimoji="0" lang="en-US" altLang="en-US" sz="1300" b="0" i="0" u="none" strike="noStrike" cap="none" normalizeH="0" baseline="0">
+                <a:ln>
+                  <a:noFill/>
+                </a:ln>
+                <a:solidFill>
+                  <a:schemeClr val="tx1"/>
+                </a:solidFill>
+                <a:effectLst/>
+                <a:latin typeface="Arial" panose="020B0604020202020204" pitchFamily="34" charset="0"/>
+              </a:rPr>
+              <a:t>qovluğundakı bütün icra olunmamış migration fayllarını işə salır və verilənlər bazasında qeyd olunan dəyişiklikləri tətbiq edir.</a:t>
+            </a:r>
+          </a:p>
+          <a:p>
+            <a:pPr>
+              <a:lnSpc>
+                <a:spcPct val="150000"/>
+              </a:lnSpc>
+              <a:buNone/>
+            </a:pPr>
+            <a:endParaRPr kumimoji="0" lang="en-US" altLang="en-US" sz="1300" b="0" i="0" u="none" strike="noStrike" cap="none" normalizeH="0" baseline="0">
+              <a:ln>
+                <a:noFill/>
+              </a:ln>
+              <a:solidFill>
+                <a:schemeClr val="tx1"/>
+              </a:solidFill>
+              <a:effectLst/>
+              <a:latin typeface="Arial" panose="020B0604020202020204" pitchFamily="34" charset="0"/>
+            </a:endParaRPr>
+          </a:p>
+          <a:p>
+            <a:pPr>
+              <a:lnSpc>
+                <a:spcPct val="150000"/>
+              </a:lnSpc>
+              <a:buNone/>
+            </a:pPr>
+            <a:r>
+              <a:rPr kumimoji="0" lang="en-US" altLang="en-US" sz="1300" b="0" i="0" u="none" strike="noStrike" cap="none" normalizeH="0" baseline="0">
+                <a:ln>
+                  <a:noFill/>
+                </a:ln>
+                <a:solidFill>
+                  <a:schemeClr val="tx1"/>
+                </a:solidFill>
+                <a:effectLst/>
+                <a:latin typeface="Arial" panose="020B0604020202020204" pitchFamily="34" charset="0"/>
+              </a:rPr>
+              <a:t>Nə vaxt istifadə olunur?</a:t>
+            </a:r>
+          </a:p>
+          <a:p>
+            <a:pPr marL="285750" indent="-285750">
+              <a:lnSpc>
+                <a:spcPct val="150000"/>
+              </a:lnSpc>
+              <a:buFont typeface="Arial" panose="020B0604020202020204" pitchFamily="34" charset="0"/>
+              <a:buChar char="•"/>
+            </a:pPr>
+            <a:r>
+              <a:rPr kumimoji="0" lang="en-US" altLang="en-US" sz="1300" b="0" i="0" u="none" strike="noStrike" cap="none" normalizeH="0" baseline="0">
+                <a:ln>
+                  <a:noFill/>
+                </a:ln>
+                <a:solidFill>
+                  <a:schemeClr val="tx1"/>
+                </a:solidFill>
+                <a:effectLst/>
+                <a:latin typeface="Arial" panose="020B0604020202020204" pitchFamily="34" charset="0"/>
+              </a:rPr>
+              <a:t>Yeni migration yazdıqdan sonra ilk dəfə işlətmək üçün.</a:t>
+            </a:r>
+          </a:p>
+          <a:p>
+            <a:pPr>
+              <a:lnSpc>
+                <a:spcPct val="150000"/>
+              </a:lnSpc>
+              <a:buNone/>
+            </a:pPr>
+            <a:endParaRPr kumimoji="0" lang="en-US" altLang="en-US" sz="1300" b="0" i="0" u="none" strike="noStrike" cap="none" normalizeH="0" baseline="0">
+              <a:ln>
+                <a:noFill/>
+              </a:ln>
+              <a:solidFill>
+                <a:schemeClr val="tx1"/>
+              </a:solidFill>
+              <a:effectLst/>
+              <a:latin typeface="Arial" panose="020B0604020202020204" pitchFamily="34" charset="0"/>
+            </a:endParaRPr>
+          </a:p>
+          <a:p>
+            <a:pPr>
+              <a:lnSpc>
+                <a:spcPct val="150000"/>
+              </a:lnSpc>
+              <a:buNone/>
+            </a:pPr>
+            <a:endParaRPr kumimoji="0" lang="en-US" altLang="en-US" sz="1300" b="0" i="0" u="none" strike="noStrike" cap="none" normalizeH="0" baseline="0">
+              <a:ln>
+                <a:noFill/>
+              </a:ln>
+              <a:solidFill>
+                <a:schemeClr val="tx1"/>
+              </a:solidFill>
+              <a:effectLst/>
+              <a:latin typeface="Arial" panose="020B0604020202020204" pitchFamily="34" charset="0"/>
+            </a:endParaRPr>
+          </a:p>
+          <a:p>
+            <a:pPr>
+              <a:lnSpc>
+                <a:spcPct val="150000"/>
+              </a:lnSpc>
+              <a:buNone/>
+            </a:pPr>
+            <a:endParaRPr kumimoji="0" lang="en-US" altLang="en-US" sz="1300" b="0" i="0" u="none" strike="noStrike" cap="none" normalizeH="0" baseline="0">
+              <a:ln>
+                <a:noFill/>
+              </a:ln>
+              <a:solidFill>
+                <a:schemeClr val="tx1"/>
+              </a:solidFill>
+              <a:effectLst/>
+              <a:latin typeface="Arial" panose="020B0604020202020204" pitchFamily="34" charset="0"/>
+            </a:endParaRPr>
+          </a:p>
+          <a:p>
+            <a:pPr>
+              <a:lnSpc>
+                <a:spcPct val="150000"/>
+              </a:lnSpc>
+              <a:buNone/>
+            </a:pPr>
+            <a:endParaRPr kumimoji="0" lang="en-US" altLang="en-US" sz="1300" b="0" i="0" u="none" strike="noStrike" cap="none" normalizeH="0" baseline="0">
+              <a:ln>
+                <a:noFill/>
+              </a:ln>
+              <a:solidFill>
+                <a:schemeClr val="tx1"/>
+              </a:solidFill>
+              <a:effectLst/>
+              <a:latin typeface="Arial" panose="020B0604020202020204" pitchFamily="34" charset="0"/>
+            </a:endParaRPr>
+          </a:p>
+          <a:p>
+            <a:pPr>
+              <a:lnSpc>
+                <a:spcPct val="150000"/>
+              </a:lnSpc>
+              <a:buNone/>
+            </a:pPr>
+            <a:r>
+              <a:rPr kumimoji="0" lang="en-US" altLang="en-US" sz="1300" b="0" i="0" u="none" strike="noStrike" cap="none" normalizeH="0" baseline="0">
+                <a:ln>
+                  <a:noFill/>
+                </a:ln>
+                <a:solidFill>
+                  <a:schemeClr val="tx1"/>
+                </a:solidFill>
+                <a:effectLst/>
+                <a:latin typeface="Arial" panose="020B0604020202020204" pitchFamily="34" charset="0"/>
+              </a:rPr>
+              <a:t>2️⃣ </a:t>
+            </a:r>
+            <a:r>
+              <a:rPr kumimoji="0" lang="en-US" altLang="en-US" sz="1300" b="1" i="0" u="none" strike="noStrike" cap="none" normalizeH="0" baseline="0">
+                <a:ln>
+                  <a:noFill/>
+                </a:ln>
+                <a:solidFill>
+                  <a:srgbClr val="FF0000"/>
+                </a:solidFill>
+                <a:effectLst/>
+                <a:latin typeface="Arial" panose="020B0604020202020204" pitchFamily="34" charset="0"/>
+              </a:rPr>
+              <a:t>php artisan migrate:reset</a:t>
+            </a:r>
+          </a:p>
+          <a:p>
+            <a:pPr>
+              <a:lnSpc>
+                <a:spcPct val="150000"/>
+              </a:lnSpc>
+              <a:buNone/>
+            </a:pPr>
+            <a:endParaRPr kumimoji="0" lang="az-Latn-AZ" altLang="en-US" sz="1300" b="0" i="0" u="none" strike="noStrike" cap="none" normalizeH="0" baseline="0">
+              <a:ln>
+                <a:noFill/>
+              </a:ln>
+              <a:solidFill>
+                <a:schemeClr val="tx1"/>
+              </a:solidFill>
+              <a:effectLst/>
+              <a:latin typeface="Arial" panose="020B0604020202020204" pitchFamily="34" charset="0"/>
+            </a:endParaRPr>
+          </a:p>
+          <a:p>
+            <a:pPr>
+              <a:lnSpc>
+                <a:spcPct val="150000"/>
+              </a:lnSpc>
+              <a:buNone/>
+            </a:pPr>
+            <a:r>
+              <a:rPr kumimoji="0" lang="en-US" altLang="en-US" sz="1300" b="0" i="0" u="none" strike="noStrike" cap="none" normalizeH="0" baseline="0">
+                <a:ln>
+                  <a:noFill/>
+                </a:ln>
+                <a:solidFill>
+                  <a:schemeClr val="tx1"/>
+                </a:solidFill>
+                <a:effectLst/>
+                <a:latin typeface="Arial" panose="020B0604020202020204" pitchFamily="34" charset="0"/>
+              </a:rPr>
+              <a:t>Bütün migration-ları sıfırlayır, yəni </a:t>
+            </a:r>
+            <a:r>
+              <a:rPr kumimoji="0" lang="en-US" altLang="en-US" sz="1300" b="1" i="0" u="none" strike="noStrike" cap="none" normalizeH="0" baseline="0">
+                <a:ln>
+                  <a:noFill/>
+                </a:ln>
+                <a:solidFill>
+                  <a:schemeClr val="tx1"/>
+                </a:solidFill>
+                <a:effectLst/>
+                <a:latin typeface="Arial" panose="020B0604020202020204" pitchFamily="34" charset="0"/>
+              </a:rPr>
+              <a:t>up() </a:t>
+            </a:r>
+            <a:r>
+              <a:rPr kumimoji="0" lang="en-US" altLang="en-US" sz="1300" b="0" i="0" u="none" strike="noStrike" cap="none" normalizeH="0" baseline="0">
+                <a:ln>
+                  <a:noFill/>
+                </a:ln>
+                <a:solidFill>
+                  <a:schemeClr val="tx1"/>
+                </a:solidFill>
+                <a:effectLst/>
+                <a:latin typeface="Arial" panose="020B0604020202020204" pitchFamily="34" charset="0"/>
+              </a:rPr>
+              <a:t>ilə yaradılmış cədvəllərin hamısını </a:t>
+            </a:r>
+            <a:r>
+              <a:rPr kumimoji="0" lang="en-US" altLang="en-US" sz="1300" b="1" i="0" u="none" strike="noStrike" cap="none" normalizeH="0" baseline="0">
+                <a:ln>
+                  <a:noFill/>
+                </a:ln>
+                <a:solidFill>
+                  <a:schemeClr val="tx1"/>
+                </a:solidFill>
+                <a:effectLst/>
+                <a:latin typeface="Arial" panose="020B0604020202020204" pitchFamily="34" charset="0"/>
+              </a:rPr>
+              <a:t>down() </a:t>
+            </a:r>
+            <a:r>
+              <a:rPr kumimoji="0" lang="en-US" altLang="en-US" sz="1300" b="0" i="0" u="none" strike="noStrike" cap="none" normalizeH="0" baseline="0">
+                <a:ln>
+                  <a:noFill/>
+                </a:ln>
+                <a:solidFill>
+                  <a:schemeClr val="tx1"/>
+                </a:solidFill>
+                <a:effectLst/>
+                <a:latin typeface="Arial" panose="020B0604020202020204" pitchFamily="34" charset="0"/>
+              </a:rPr>
+              <a:t>funksiyası ilə silir.</a:t>
+            </a:r>
+          </a:p>
+          <a:p>
+            <a:pPr>
+              <a:lnSpc>
+                <a:spcPct val="150000"/>
+              </a:lnSpc>
+              <a:buNone/>
+            </a:pPr>
+            <a:endParaRPr kumimoji="0" lang="en-US" altLang="en-US" sz="1300" b="0" i="0" u="none" strike="noStrike" cap="none" normalizeH="0" baseline="0">
+              <a:ln>
+                <a:noFill/>
+              </a:ln>
+              <a:solidFill>
+                <a:schemeClr val="tx1"/>
+              </a:solidFill>
+              <a:effectLst/>
+              <a:latin typeface="Arial" panose="020B0604020202020204" pitchFamily="34" charset="0"/>
+            </a:endParaRPr>
+          </a:p>
+          <a:p>
+            <a:pPr>
+              <a:lnSpc>
+                <a:spcPct val="150000"/>
+              </a:lnSpc>
+              <a:buNone/>
+            </a:pPr>
+            <a:r>
+              <a:rPr kumimoji="0" lang="en-US" altLang="en-US" sz="1300" b="1" i="0" u="none" strike="noStrike" cap="none" normalizeH="0" baseline="0">
+                <a:ln>
+                  <a:noFill/>
+                </a:ln>
+                <a:solidFill>
+                  <a:schemeClr val="tx1"/>
+                </a:solidFill>
+                <a:effectLst/>
+                <a:latin typeface="Arial" panose="020B0604020202020204" pitchFamily="34" charset="0"/>
+              </a:rPr>
+              <a:t>Vacib Qeyd</a:t>
+            </a:r>
+            <a:r>
+              <a:rPr kumimoji="0" lang="en-US" altLang="en-US" sz="1300" b="0" i="0" u="none" strike="noStrike" cap="none" normalizeH="0" baseline="0">
+                <a:ln>
+                  <a:noFill/>
+                </a:ln>
+                <a:solidFill>
+                  <a:schemeClr val="tx1"/>
+                </a:solidFill>
+                <a:effectLst/>
+                <a:latin typeface="Arial" panose="020B0604020202020204" pitchFamily="34" charset="0"/>
+              </a:rPr>
+              <a:t>:</a:t>
+            </a:r>
+          </a:p>
+          <a:p>
+            <a:pPr marL="285750" indent="-285750">
+              <a:lnSpc>
+                <a:spcPct val="150000"/>
+              </a:lnSpc>
+              <a:buFont typeface="Arial" panose="020B0604020202020204" pitchFamily="34" charset="0"/>
+              <a:buChar char="•"/>
+            </a:pPr>
+            <a:r>
+              <a:rPr kumimoji="0" lang="en-US" altLang="en-US" sz="1300" b="0" i="0" u="none" strike="noStrike" cap="none" normalizeH="0" baseline="0">
+                <a:ln>
+                  <a:noFill/>
+                </a:ln>
+                <a:solidFill>
+                  <a:schemeClr val="tx1"/>
+                </a:solidFill>
+                <a:effectLst/>
+                <a:latin typeface="Arial" panose="020B0604020202020204" pitchFamily="34" charset="0"/>
+              </a:rPr>
+              <a:t>Sadecə cədvəlləri silir, amma migrations cədvəlini sıfırlamaz.</a:t>
+            </a:r>
+          </a:p>
+          <a:p>
+            <a:pPr marL="285750" indent="-285750">
+              <a:lnSpc>
+                <a:spcPct val="150000"/>
+              </a:lnSpc>
+              <a:buFont typeface="Arial" panose="020B0604020202020204" pitchFamily="34" charset="0"/>
+              <a:buChar char="•"/>
+            </a:pPr>
+            <a:r>
+              <a:rPr kumimoji="0" lang="en-US" altLang="en-US" sz="1300" b="0" i="0" u="none" strike="noStrike" cap="none" normalizeH="0" baseline="0">
+                <a:ln>
+                  <a:noFill/>
+                </a:ln>
+                <a:solidFill>
+                  <a:schemeClr val="tx1"/>
+                </a:solidFill>
+                <a:effectLst/>
+                <a:latin typeface="Arial" panose="020B0604020202020204" pitchFamily="34" charset="0"/>
+              </a:rPr>
+              <a:t>Nə vaxt istifadə olunur?</a:t>
+            </a:r>
+          </a:p>
+          <a:p>
+            <a:pPr marL="285750" indent="-285750">
+              <a:lnSpc>
+                <a:spcPct val="150000"/>
+              </a:lnSpc>
+              <a:buFont typeface="Arial" panose="020B0604020202020204" pitchFamily="34" charset="0"/>
+              <a:buChar char="•"/>
+            </a:pPr>
+            <a:r>
+              <a:rPr kumimoji="0" lang="en-US" altLang="en-US" sz="1300" b="0" i="0" u="none" strike="noStrike" cap="none" normalizeH="0" baseline="0">
+                <a:ln>
+                  <a:noFill/>
+                </a:ln>
+                <a:solidFill>
+                  <a:schemeClr val="tx1"/>
+                </a:solidFill>
+                <a:effectLst/>
+                <a:latin typeface="Arial" panose="020B0604020202020204" pitchFamily="34" charset="0"/>
+              </a:rPr>
+              <a:t>Tam təmiz bazaya başdan başlamaq istədikdə.</a:t>
             </a:r>
           </a:p>
         </p:txBody>
@@ -3434,6 +3909,1170 @@
         <p:spPr>
           <a:xfrm>
             <a:off x="217714" y="255046"/>
+            <a:ext cx="11756571" cy="6356997"/>
+          </a:xfrm>
+          <a:prstGeom prst="rect">
+            <a:avLst/>
+          </a:prstGeom>
+          <a:noFill/>
+        </p:spPr>
+        <p:txBody>
+          <a:bodyPr wrap="square">
+            <a:spAutoFit/>
+          </a:bodyPr>
+          <a:lstStyle/>
+          <a:p>
+            <a:pPr>
+              <a:lnSpc>
+                <a:spcPct val="150000"/>
+              </a:lnSpc>
+              <a:buNone/>
+            </a:pPr>
+            <a:r>
+              <a:rPr kumimoji="0" lang="en-US" altLang="en-US" sz="1300" b="0" i="0" u="none" strike="noStrike" cap="none" normalizeH="0" baseline="0">
+                <a:ln>
+                  <a:noFill/>
+                </a:ln>
+                <a:solidFill>
+                  <a:schemeClr val="tx1"/>
+                </a:solidFill>
+                <a:effectLst/>
+                <a:latin typeface="Arial" panose="020B0604020202020204" pitchFamily="34" charset="0"/>
+              </a:rPr>
+              <a:t>3️⃣ </a:t>
+            </a:r>
+            <a:r>
+              <a:rPr kumimoji="0" lang="en-US" altLang="en-US" sz="1300" b="1" i="0" u="none" strike="noStrike" cap="none" normalizeH="0" baseline="0">
+                <a:ln>
+                  <a:noFill/>
+                </a:ln>
+                <a:solidFill>
+                  <a:srgbClr val="FF0000"/>
+                </a:solidFill>
+                <a:effectLst/>
+                <a:latin typeface="Arial" panose="020B0604020202020204" pitchFamily="34" charset="0"/>
+              </a:rPr>
+              <a:t>php artisan migrate:rollback  </a:t>
+            </a:r>
+            <a:r>
+              <a:rPr kumimoji="0" lang="en-US" altLang="en-US" sz="1300" b="0" i="0" u="none" strike="noStrike" cap="none" normalizeH="0" baseline="0">
+                <a:ln>
+                  <a:noFill/>
+                </a:ln>
+                <a:solidFill>
+                  <a:schemeClr val="tx1"/>
+                </a:solidFill>
+                <a:effectLst/>
+                <a:latin typeface="Arial" panose="020B0604020202020204" pitchFamily="34" charset="0"/>
+              </a:rPr>
+              <a:t>( </a:t>
+            </a:r>
+            <a:r>
+              <a:rPr kumimoji="0" lang="en-US" altLang="en-US" sz="1300" b="1" i="0" u="none" strike="noStrike" cap="none" normalizeH="0" baseline="0">
+                <a:ln>
+                  <a:noFill/>
+                </a:ln>
+                <a:solidFill>
+                  <a:schemeClr val="tx1"/>
+                </a:solidFill>
+                <a:effectLst/>
+                <a:latin typeface="Arial" panose="020B0604020202020204" pitchFamily="34" charset="0"/>
+              </a:rPr>
+              <a:t>php artisan migrate:rollback --step=2 </a:t>
+            </a:r>
+            <a:r>
+              <a:rPr kumimoji="0" lang="en-US" altLang="en-US" sz="1300" b="0" i="0" u="none" strike="noStrike" cap="none" normalizeH="0" baseline="0">
+                <a:ln>
+                  <a:noFill/>
+                </a:ln>
+                <a:solidFill>
+                  <a:schemeClr val="tx1"/>
+                </a:solidFill>
+                <a:effectLst/>
+                <a:latin typeface="Arial" panose="020B0604020202020204" pitchFamily="34" charset="0"/>
+              </a:rPr>
+              <a:t>)</a:t>
+            </a:r>
+            <a:endParaRPr kumimoji="0" lang="az-Latn-AZ" altLang="en-US" sz="1300" b="0" i="0" u="none" strike="noStrike" cap="none" normalizeH="0" baseline="0">
+              <a:ln>
+                <a:noFill/>
+              </a:ln>
+              <a:solidFill>
+                <a:schemeClr val="tx1"/>
+              </a:solidFill>
+              <a:effectLst/>
+              <a:latin typeface="Arial" panose="020B0604020202020204" pitchFamily="34" charset="0"/>
+            </a:endParaRPr>
+          </a:p>
+          <a:p>
+            <a:pPr>
+              <a:lnSpc>
+                <a:spcPct val="150000"/>
+              </a:lnSpc>
+              <a:buNone/>
+            </a:pPr>
+            <a:endParaRPr kumimoji="0" lang="en-US" altLang="en-US" sz="1300" b="0" i="0" u="none" strike="noStrike" cap="none" normalizeH="0" baseline="0">
+              <a:ln>
+                <a:noFill/>
+              </a:ln>
+              <a:solidFill>
+                <a:schemeClr val="tx1"/>
+              </a:solidFill>
+              <a:effectLst/>
+              <a:latin typeface="Arial" panose="020B0604020202020204" pitchFamily="34" charset="0"/>
+            </a:endParaRPr>
+          </a:p>
+          <a:p>
+            <a:pPr>
+              <a:lnSpc>
+                <a:spcPct val="150000"/>
+              </a:lnSpc>
+              <a:buNone/>
+            </a:pPr>
+            <a:r>
+              <a:rPr kumimoji="0" lang="en-US" altLang="en-US" sz="1300" b="0" i="0" u="none" strike="noStrike" cap="none" normalizeH="0" baseline="0">
+                <a:ln>
+                  <a:noFill/>
+                </a:ln>
+                <a:solidFill>
+                  <a:schemeClr val="tx1"/>
+                </a:solidFill>
+                <a:effectLst/>
+                <a:latin typeface="Arial" panose="020B0604020202020204" pitchFamily="34" charset="0"/>
+              </a:rPr>
+              <a:t>Son icra olunmuş bir batch migration-ı geri qaytarır (</a:t>
+            </a:r>
+            <a:r>
+              <a:rPr kumimoji="0" lang="en-US" altLang="en-US" sz="1300" b="1" i="0" u="none" strike="noStrike" cap="none" normalizeH="0" baseline="0">
+                <a:ln>
+                  <a:noFill/>
+                </a:ln>
+                <a:solidFill>
+                  <a:schemeClr val="tx1"/>
+                </a:solidFill>
+                <a:effectLst/>
+                <a:latin typeface="Arial" panose="020B0604020202020204" pitchFamily="34" charset="0"/>
+              </a:rPr>
+              <a:t>rollback</a:t>
+            </a:r>
+            <a:r>
+              <a:rPr kumimoji="0" lang="en-US" altLang="en-US" sz="1300" b="0" i="0" u="none" strike="noStrike" cap="none" normalizeH="0" baseline="0">
+                <a:ln>
+                  <a:noFill/>
+                </a:ln>
+                <a:solidFill>
+                  <a:schemeClr val="tx1"/>
+                </a:solidFill>
+                <a:effectLst/>
+                <a:latin typeface="Arial" panose="020B0604020202020204" pitchFamily="34" charset="0"/>
+              </a:rPr>
+              <a:t> edir). Bu, yalnız sonuncu dəfə tətbiq olunan migration-ları silir.</a:t>
+            </a:r>
+          </a:p>
+          <a:p>
+            <a:pPr>
+              <a:lnSpc>
+                <a:spcPct val="150000"/>
+              </a:lnSpc>
+              <a:buNone/>
+            </a:pPr>
+            <a:endParaRPr kumimoji="0" lang="en-US" altLang="en-US" sz="1300" b="0" i="0" u="none" strike="noStrike" cap="none" normalizeH="0" baseline="0">
+              <a:ln>
+                <a:noFill/>
+              </a:ln>
+              <a:solidFill>
+                <a:schemeClr val="tx1"/>
+              </a:solidFill>
+              <a:effectLst/>
+              <a:latin typeface="Arial" panose="020B0604020202020204" pitchFamily="34" charset="0"/>
+            </a:endParaRPr>
+          </a:p>
+          <a:p>
+            <a:pPr>
+              <a:lnSpc>
+                <a:spcPct val="150000"/>
+              </a:lnSpc>
+              <a:buNone/>
+            </a:pPr>
+            <a:r>
+              <a:rPr kumimoji="0" lang="en-US" altLang="en-US" sz="1300" b="0" i="0" u="none" strike="noStrike" cap="none" normalizeH="0" baseline="0">
+                <a:ln>
+                  <a:noFill/>
+                </a:ln>
+                <a:solidFill>
+                  <a:schemeClr val="tx1"/>
+                </a:solidFill>
+                <a:effectLst/>
+                <a:latin typeface="Arial" panose="020B0604020202020204" pitchFamily="34" charset="0"/>
+              </a:rPr>
+              <a:t>Nə vaxt istifadə olunur?</a:t>
+            </a:r>
+          </a:p>
+          <a:p>
+            <a:pPr>
+              <a:lnSpc>
+                <a:spcPct val="150000"/>
+              </a:lnSpc>
+              <a:buNone/>
+            </a:pPr>
+            <a:endParaRPr kumimoji="0" lang="en-US" altLang="en-US" sz="1300" b="0" i="0" u="none" strike="noStrike" cap="none" normalizeH="0" baseline="0">
+              <a:ln>
+                <a:noFill/>
+              </a:ln>
+              <a:solidFill>
+                <a:schemeClr val="tx1"/>
+              </a:solidFill>
+              <a:effectLst/>
+              <a:latin typeface="Arial" panose="020B0604020202020204" pitchFamily="34" charset="0"/>
+            </a:endParaRPr>
+          </a:p>
+          <a:p>
+            <a:pPr>
+              <a:lnSpc>
+                <a:spcPct val="150000"/>
+              </a:lnSpc>
+              <a:buNone/>
+            </a:pPr>
+            <a:r>
+              <a:rPr kumimoji="0" lang="en-US" altLang="en-US" sz="1300" b="0" i="0" u="none" strike="noStrike" cap="none" normalizeH="0" baseline="0">
+                <a:ln>
+                  <a:noFill/>
+                </a:ln>
+                <a:solidFill>
+                  <a:schemeClr val="tx1"/>
+                </a:solidFill>
+                <a:effectLst/>
+                <a:latin typeface="Arial" panose="020B0604020202020204" pitchFamily="34" charset="0"/>
+              </a:rPr>
+              <a:t>Səhv migration yazılıbsa və yalnız son dəyişiklikləri geri almaq istəyirsinizsə.</a:t>
+            </a:r>
+          </a:p>
+          <a:p>
+            <a:pPr>
+              <a:lnSpc>
+                <a:spcPct val="150000"/>
+              </a:lnSpc>
+              <a:buNone/>
+            </a:pPr>
+            <a:r>
+              <a:rPr kumimoji="0" lang="en-US" altLang="en-US" sz="1300" b="0" i="0" u="none" strike="noStrike" cap="none" normalizeH="0" baseline="0">
+                <a:ln>
+                  <a:noFill/>
+                </a:ln>
+                <a:solidFill>
+                  <a:schemeClr val="tx1"/>
+                </a:solidFill>
+                <a:effectLst/>
+                <a:latin typeface="Arial" panose="020B0604020202020204" pitchFamily="34" charset="0"/>
+              </a:rPr>
+              <a:t>Əlavə İmkan:</a:t>
+            </a:r>
+            <a:r>
+              <a:rPr kumimoji="0" lang="az-Latn-AZ" altLang="en-US" sz="1300" b="0" i="0" u="none" strike="noStrike" cap="none" normalizeH="0" baseline="0">
+                <a:ln>
+                  <a:noFill/>
+                </a:ln>
+                <a:solidFill>
+                  <a:schemeClr val="tx1"/>
+                </a:solidFill>
+                <a:effectLst/>
+                <a:latin typeface="Arial" panose="020B0604020202020204" pitchFamily="34" charset="0"/>
+              </a:rPr>
+              <a:t> </a:t>
+            </a:r>
+            <a:r>
+              <a:rPr kumimoji="0" lang="en-US" altLang="en-US" sz="1300" b="1" i="0" u="none" strike="noStrike" cap="none" normalizeH="0" baseline="0">
+                <a:ln>
+                  <a:noFill/>
+                </a:ln>
+                <a:solidFill>
+                  <a:schemeClr val="tx1"/>
+                </a:solidFill>
+                <a:effectLst/>
+                <a:latin typeface="Arial" panose="020B0604020202020204" pitchFamily="34" charset="0"/>
+              </a:rPr>
+              <a:t>--step </a:t>
+            </a:r>
+            <a:r>
+              <a:rPr kumimoji="0" lang="en-US" altLang="en-US" sz="1300" b="0" i="0" u="none" strike="noStrike" cap="none" normalizeH="0" baseline="0">
+                <a:ln>
+                  <a:noFill/>
+                </a:ln>
+                <a:solidFill>
+                  <a:schemeClr val="tx1"/>
+                </a:solidFill>
+                <a:effectLst/>
+                <a:latin typeface="Arial" panose="020B0604020202020204" pitchFamily="34" charset="0"/>
+              </a:rPr>
+              <a:t>parametrindən istifadə edərək neçə batch rollback etmək istədiyinizi seçə bilərsiniz.</a:t>
+            </a:r>
+          </a:p>
+          <a:p>
+            <a:pPr>
+              <a:lnSpc>
+                <a:spcPct val="150000"/>
+              </a:lnSpc>
+              <a:buNone/>
+            </a:pPr>
+            <a:endParaRPr kumimoji="0" lang="en-US" altLang="en-US" sz="1300" b="0" i="0" u="none" strike="noStrike" cap="none" normalizeH="0" baseline="0">
+              <a:ln>
+                <a:noFill/>
+              </a:ln>
+              <a:solidFill>
+                <a:schemeClr val="tx1"/>
+              </a:solidFill>
+              <a:effectLst/>
+              <a:latin typeface="Arial" panose="020B0604020202020204" pitchFamily="34" charset="0"/>
+            </a:endParaRPr>
+          </a:p>
+          <a:p>
+            <a:pPr>
+              <a:lnSpc>
+                <a:spcPct val="150000"/>
+              </a:lnSpc>
+              <a:buNone/>
+            </a:pPr>
+            <a:endParaRPr kumimoji="0" lang="en-US" altLang="en-US" sz="1300" b="0" i="0" u="none" strike="noStrike" cap="none" normalizeH="0" baseline="0">
+              <a:ln>
+                <a:noFill/>
+              </a:ln>
+              <a:solidFill>
+                <a:schemeClr val="tx1"/>
+              </a:solidFill>
+              <a:effectLst/>
+              <a:latin typeface="Arial" panose="020B0604020202020204" pitchFamily="34" charset="0"/>
+            </a:endParaRPr>
+          </a:p>
+          <a:p>
+            <a:pPr>
+              <a:lnSpc>
+                <a:spcPct val="150000"/>
+              </a:lnSpc>
+              <a:buNone/>
+            </a:pPr>
+            <a:endParaRPr kumimoji="0" lang="en-US" altLang="en-US" sz="1300" b="0" i="0" u="none" strike="noStrike" cap="none" normalizeH="0" baseline="0">
+              <a:ln>
+                <a:noFill/>
+              </a:ln>
+              <a:solidFill>
+                <a:schemeClr val="tx1"/>
+              </a:solidFill>
+              <a:effectLst/>
+              <a:latin typeface="Arial" panose="020B0604020202020204" pitchFamily="34" charset="0"/>
+            </a:endParaRPr>
+          </a:p>
+          <a:p>
+            <a:pPr>
+              <a:lnSpc>
+                <a:spcPct val="150000"/>
+              </a:lnSpc>
+              <a:buNone/>
+            </a:pPr>
+            <a:endParaRPr kumimoji="0" lang="en-US" altLang="en-US" sz="1300" b="0" i="0" u="none" strike="noStrike" cap="none" normalizeH="0" baseline="0">
+              <a:ln>
+                <a:noFill/>
+              </a:ln>
+              <a:solidFill>
+                <a:schemeClr val="tx1"/>
+              </a:solidFill>
+              <a:effectLst/>
+              <a:latin typeface="Arial" panose="020B0604020202020204" pitchFamily="34" charset="0"/>
+            </a:endParaRPr>
+          </a:p>
+          <a:p>
+            <a:pPr>
+              <a:lnSpc>
+                <a:spcPct val="150000"/>
+              </a:lnSpc>
+              <a:buNone/>
+            </a:pPr>
+            <a:r>
+              <a:rPr kumimoji="0" lang="en-US" altLang="en-US" sz="1300" b="0" i="0" u="none" strike="noStrike" cap="none" normalizeH="0" baseline="0">
+                <a:ln>
+                  <a:noFill/>
+                </a:ln>
+                <a:solidFill>
+                  <a:schemeClr val="tx1"/>
+                </a:solidFill>
+                <a:effectLst/>
+                <a:latin typeface="Arial" panose="020B0604020202020204" pitchFamily="34" charset="0"/>
+              </a:rPr>
+              <a:t>4️⃣ </a:t>
+            </a:r>
+            <a:r>
+              <a:rPr kumimoji="0" lang="en-US" altLang="en-US" sz="1300" b="1" i="0" u="none" strike="noStrike" cap="none" normalizeH="0" baseline="0">
+                <a:ln>
+                  <a:noFill/>
+                </a:ln>
+                <a:solidFill>
+                  <a:srgbClr val="FF0000"/>
+                </a:solidFill>
+                <a:effectLst/>
+                <a:latin typeface="Arial" panose="020B0604020202020204" pitchFamily="34" charset="0"/>
+              </a:rPr>
+              <a:t>php artisan migrate --path=/database/migrations/2025_04_21_125640_create_posts_table.php</a:t>
+            </a:r>
+          </a:p>
+          <a:p>
+            <a:pPr>
+              <a:lnSpc>
+                <a:spcPct val="150000"/>
+              </a:lnSpc>
+              <a:buNone/>
+            </a:pPr>
+            <a:endParaRPr kumimoji="0" lang="en-US" altLang="en-US" sz="1300" b="0" i="0" u="none" strike="noStrike" cap="none" normalizeH="0" baseline="0">
+              <a:ln>
+                <a:noFill/>
+              </a:ln>
+              <a:solidFill>
+                <a:schemeClr val="tx1"/>
+              </a:solidFill>
+              <a:effectLst/>
+              <a:latin typeface="Arial" panose="020B0604020202020204" pitchFamily="34" charset="0"/>
+            </a:endParaRPr>
+          </a:p>
+          <a:p>
+            <a:pPr>
+              <a:lnSpc>
+                <a:spcPct val="150000"/>
+              </a:lnSpc>
+              <a:buNone/>
+            </a:pPr>
+            <a:r>
+              <a:rPr kumimoji="0" lang="en-US" altLang="en-US" sz="1300" b="0" i="0" u="none" strike="noStrike" cap="none" normalizeH="0" baseline="0">
+                <a:ln>
+                  <a:noFill/>
+                </a:ln>
+                <a:solidFill>
+                  <a:schemeClr val="tx1"/>
+                </a:solidFill>
+                <a:effectLst/>
+                <a:latin typeface="Arial" panose="020B0604020202020204" pitchFamily="34" charset="0"/>
+              </a:rPr>
+              <a:t>Sadəcə bir konkret migration faylını işə salır.</a:t>
+            </a:r>
+          </a:p>
+          <a:p>
+            <a:pPr>
+              <a:lnSpc>
+                <a:spcPct val="150000"/>
+              </a:lnSpc>
+              <a:buNone/>
+            </a:pPr>
+            <a:endParaRPr kumimoji="0" lang="en-US" altLang="en-US" sz="1300" b="0" i="0" u="none" strike="noStrike" cap="none" normalizeH="0" baseline="0">
+              <a:ln>
+                <a:noFill/>
+              </a:ln>
+              <a:solidFill>
+                <a:schemeClr val="tx1"/>
+              </a:solidFill>
+              <a:effectLst/>
+              <a:latin typeface="Arial" panose="020B0604020202020204" pitchFamily="34" charset="0"/>
+            </a:endParaRPr>
+          </a:p>
+          <a:p>
+            <a:pPr>
+              <a:lnSpc>
+                <a:spcPct val="150000"/>
+              </a:lnSpc>
+              <a:buNone/>
+            </a:pPr>
+            <a:r>
+              <a:rPr kumimoji="0" lang="en-US" altLang="en-US" sz="1300" b="0" i="0" u="none" strike="noStrike" cap="none" normalizeH="0" baseline="0">
+                <a:ln>
+                  <a:noFill/>
+                </a:ln>
+                <a:solidFill>
+                  <a:schemeClr val="tx1"/>
+                </a:solidFill>
+                <a:effectLst/>
+                <a:latin typeface="Arial" panose="020B0604020202020204" pitchFamily="34" charset="0"/>
+              </a:rPr>
+              <a:t>Nə vaxt istifadə olunur?</a:t>
+            </a:r>
+          </a:p>
+          <a:p>
+            <a:pPr>
+              <a:lnSpc>
+                <a:spcPct val="150000"/>
+              </a:lnSpc>
+              <a:buNone/>
+            </a:pPr>
+            <a:r>
+              <a:rPr kumimoji="0" lang="en-US" altLang="en-US" sz="1300" b="0" i="0" u="none" strike="noStrike" cap="none" normalizeH="0" baseline="0">
+                <a:ln>
+                  <a:noFill/>
+                </a:ln>
+                <a:solidFill>
+                  <a:schemeClr val="tx1"/>
+                </a:solidFill>
+                <a:effectLst/>
+                <a:latin typeface="Arial" panose="020B0604020202020204" pitchFamily="34" charset="0"/>
+              </a:rPr>
+              <a:t>Bütün migration-ları deyil, yalnız spesifik bir migration faylını çalışdırmaq istədikdə.</a:t>
+            </a:r>
+          </a:p>
+          <a:p>
+            <a:pPr>
+              <a:lnSpc>
+                <a:spcPct val="150000"/>
+              </a:lnSpc>
+              <a:buNone/>
+            </a:pPr>
+            <a:endParaRPr kumimoji="0" lang="en-US" altLang="en-US" sz="1300" b="0" i="0" u="none" strike="noStrike" cap="none" normalizeH="0" baseline="0">
+              <a:ln>
+                <a:noFill/>
+              </a:ln>
+              <a:solidFill>
+                <a:schemeClr val="tx1"/>
+              </a:solidFill>
+              <a:effectLst/>
+              <a:latin typeface="Arial" panose="020B0604020202020204" pitchFamily="34" charset="0"/>
+            </a:endParaRPr>
+          </a:p>
+          <a:p>
+            <a:pPr>
+              <a:lnSpc>
+                <a:spcPct val="150000"/>
+              </a:lnSpc>
+              <a:buNone/>
+            </a:pPr>
+            <a:r>
+              <a:rPr kumimoji="0" lang="en-US" altLang="en-US" sz="1300" b="1" i="0" u="none" strike="noStrike" cap="none" normalizeH="0" baseline="0">
+                <a:ln>
+                  <a:noFill/>
+                </a:ln>
+                <a:solidFill>
+                  <a:schemeClr val="tx1"/>
+                </a:solidFill>
+                <a:effectLst/>
+                <a:latin typeface="Arial" panose="020B0604020202020204" pitchFamily="34" charset="0"/>
+              </a:rPr>
+              <a:t>Vacib Qeyd</a:t>
+            </a:r>
+            <a:r>
+              <a:rPr kumimoji="0" lang="en-US" altLang="en-US" sz="1300" b="0" i="0" u="none" strike="noStrike" cap="none" normalizeH="0" baseline="0">
+                <a:ln>
+                  <a:noFill/>
+                </a:ln>
+                <a:solidFill>
+                  <a:schemeClr val="tx1"/>
+                </a:solidFill>
+                <a:effectLst/>
+                <a:latin typeface="Arial" panose="020B0604020202020204" pitchFamily="34" charset="0"/>
+              </a:rPr>
+              <a:t>:</a:t>
+            </a:r>
+          </a:p>
+          <a:p>
+            <a:pPr>
+              <a:lnSpc>
+                <a:spcPct val="150000"/>
+              </a:lnSpc>
+              <a:buNone/>
+            </a:pPr>
+            <a:r>
+              <a:rPr kumimoji="0" lang="en-US" altLang="en-US" sz="1300" b="0" i="0" u="none" strike="noStrike" cap="none" normalizeH="0" baseline="0">
+                <a:ln>
+                  <a:noFill/>
+                </a:ln>
+                <a:solidFill>
+                  <a:schemeClr val="tx1"/>
+                </a:solidFill>
+                <a:effectLst/>
+                <a:latin typeface="Arial" panose="020B0604020202020204" pitchFamily="34" charset="0"/>
+              </a:rPr>
+              <a:t>Path mütləq database/migrations-dən başlayaraq yazılmalıdır.</a:t>
+            </a:r>
+          </a:p>
+        </p:txBody>
+      </p:sp>
+    </p:spTree>
+    <p:extLst>
+      <p:ext uri="{BB962C8B-B14F-4D97-AF65-F5344CB8AC3E}">
+        <p14:creationId xmlns:p14="http://schemas.microsoft.com/office/powerpoint/2010/main" val="1186759978"/>
+      </p:ext>
+    </p:extLst>
+  </p:cSld>
+  <p:clrMapOvr>
+    <a:masterClrMapping/>
+  </p:clrMapOvr>
+</p:sld>
+</file>
+
+<file path=ppt/slides/slide3.xml><?xml version="1.0" encoding="utf-8"?>
+<p:sld xmlns:a="http://schemas.openxmlformats.org/drawingml/2006/main" xmlns:r="http://schemas.openxmlformats.org/officeDocument/2006/relationships" xmlns:p="http://schemas.openxmlformats.org/presentationml/2006/main">
+  <p:cSld>
+    <p:spTree>
+      <p:nvGrpSpPr>
+        <p:cNvPr id="1" name="">
+          <a:extLst>
+            <a:ext uri="{FF2B5EF4-FFF2-40B4-BE49-F238E27FC236}">
+              <a16:creationId xmlns:a16="http://schemas.microsoft.com/office/drawing/2014/main" id="{6AC57328-F617-2700-4287-F32BAC7217C8}"/>
+            </a:ext>
+          </a:extLst>
+        </p:cNvPr>
+        <p:cNvGrpSpPr/>
+        <p:nvPr/>
+      </p:nvGrpSpPr>
+      <p:grpSpPr>
+        <a:xfrm>
+          <a:off x="0" y="0"/>
+          <a:ext cx="0" cy="0"/>
+          <a:chOff x="0" y="0"/>
+          <a:chExt cx="0" cy="0"/>
+        </a:xfrm>
+      </p:grpSpPr>
+      <p:sp>
+        <p:nvSpPr>
+          <p:cNvPr id="3" name="TextBox 2">
+            <a:extLst>
+              <a:ext uri="{FF2B5EF4-FFF2-40B4-BE49-F238E27FC236}">
+                <a16:creationId xmlns:a16="http://schemas.microsoft.com/office/drawing/2014/main" id="{FF3507C7-7437-DAB9-7A0B-7FEA78BB19B0}"/>
+              </a:ext>
+            </a:extLst>
+          </p:cNvPr>
+          <p:cNvSpPr txBox="1"/>
+          <p:nvPr/>
+        </p:nvSpPr>
+        <p:spPr>
+          <a:xfrm>
+            <a:off x="217714" y="255046"/>
+            <a:ext cx="11756571" cy="3056093"/>
+          </a:xfrm>
+          <a:prstGeom prst="rect">
+            <a:avLst/>
+          </a:prstGeom>
+          <a:noFill/>
+        </p:spPr>
+        <p:txBody>
+          <a:bodyPr wrap="square">
+            <a:spAutoFit/>
+          </a:bodyPr>
+          <a:lstStyle/>
+          <a:p>
+            <a:pPr>
+              <a:lnSpc>
+                <a:spcPct val="150000"/>
+              </a:lnSpc>
+              <a:buNone/>
+            </a:pPr>
+            <a:r>
+              <a:rPr kumimoji="0" lang="en-US" altLang="en-US" sz="1300" b="0" i="0" u="none" strike="noStrike" cap="none" normalizeH="0" baseline="0">
+                <a:ln>
+                  <a:noFill/>
+                </a:ln>
+                <a:solidFill>
+                  <a:schemeClr val="tx1"/>
+                </a:solidFill>
+                <a:effectLst/>
+                <a:latin typeface="Arial" panose="020B0604020202020204" pitchFamily="34" charset="0"/>
+              </a:rPr>
+              <a:t>5️⃣ </a:t>
+            </a:r>
+            <a:r>
+              <a:rPr kumimoji="0" lang="en-US" altLang="en-US" sz="1300" b="1" i="0" u="none" strike="noStrike" cap="none" normalizeH="0" baseline="0">
+                <a:ln>
+                  <a:noFill/>
+                </a:ln>
+                <a:solidFill>
+                  <a:srgbClr val="FF0000"/>
+                </a:solidFill>
+                <a:effectLst/>
+                <a:latin typeface="Arial" panose="020B0604020202020204" pitchFamily="34" charset="0"/>
+              </a:rPr>
+              <a:t>php artisan migrate:refresh</a:t>
+            </a:r>
+          </a:p>
+          <a:p>
+            <a:pPr>
+              <a:lnSpc>
+                <a:spcPct val="150000"/>
+              </a:lnSpc>
+              <a:buNone/>
+            </a:pPr>
+            <a:endParaRPr kumimoji="0" lang="en-US" altLang="en-US" sz="1300" b="0" i="0" u="none" strike="noStrike" cap="none" normalizeH="0" baseline="0">
+              <a:ln>
+                <a:noFill/>
+              </a:ln>
+              <a:solidFill>
+                <a:schemeClr val="tx1"/>
+              </a:solidFill>
+              <a:effectLst/>
+              <a:latin typeface="Arial" panose="020B0604020202020204" pitchFamily="34" charset="0"/>
+            </a:endParaRPr>
+          </a:p>
+          <a:p>
+            <a:pPr>
+              <a:lnSpc>
+                <a:spcPct val="150000"/>
+              </a:lnSpc>
+              <a:buNone/>
+            </a:pPr>
+            <a:r>
+              <a:rPr kumimoji="0" lang="en-US" altLang="en-US" sz="1300" b="0" i="0" u="none" strike="noStrike" cap="none" normalizeH="0" baseline="0">
+                <a:ln>
+                  <a:noFill/>
+                </a:ln>
+                <a:solidFill>
+                  <a:schemeClr val="tx1"/>
+                </a:solidFill>
+                <a:effectLst/>
+                <a:latin typeface="Arial" panose="020B0604020202020204" pitchFamily="34" charset="0"/>
+              </a:rPr>
+              <a:t>Əvvəlcə bütün migration-ları rollback edir (hamısını </a:t>
+            </a:r>
+            <a:r>
+              <a:rPr kumimoji="0" lang="en-US" altLang="en-US" sz="1300" b="1" i="0" u="none" strike="noStrike" cap="none" normalizeH="0" baseline="0">
+                <a:ln>
+                  <a:noFill/>
+                </a:ln>
+                <a:solidFill>
+                  <a:schemeClr val="tx1"/>
+                </a:solidFill>
+                <a:effectLst/>
+                <a:latin typeface="Arial" panose="020B0604020202020204" pitchFamily="34" charset="0"/>
+              </a:rPr>
+              <a:t>down() </a:t>
+            </a:r>
+            <a:r>
+              <a:rPr kumimoji="0" lang="en-US" altLang="en-US" sz="1300" b="0" i="0" u="none" strike="noStrike" cap="none" normalizeH="0" baseline="0">
+                <a:ln>
+                  <a:noFill/>
+                </a:ln>
+                <a:solidFill>
+                  <a:schemeClr val="tx1"/>
+                </a:solidFill>
+                <a:effectLst/>
+                <a:latin typeface="Arial" panose="020B0604020202020204" pitchFamily="34" charset="0"/>
+              </a:rPr>
+              <a:t>ilə silir), sonra yenidən hamısını icra edir (</a:t>
+            </a:r>
+            <a:r>
+              <a:rPr kumimoji="0" lang="en-US" altLang="en-US" sz="1300" b="1" i="0" u="none" strike="noStrike" cap="none" normalizeH="0" baseline="0">
+                <a:ln>
+                  <a:noFill/>
+                </a:ln>
+                <a:solidFill>
+                  <a:schemeClr val="tx1"/>
+                </a:solidFill>
+                <a:effectLst/>
+                <a:latin typeface="Arial" panose="020B0604020202020204" pitchFamily="34" charset="0"/>
+              </a:rPr>
+              <a:t>up() </a:t>
+            </a:r>
+            <a:r>
+              <a:rPr kumimoji="0" lang="en-US" altLang="en-US" sz="1300" b="0" i="0" u="none" strike="noStrike" cap="none" normalizeH="0" baseline="0">
+                <a:ln>
+                  <a:noFill/>
+                </a:ln>
+                <a:solidFill>
+                  <a:schemeClr val="tx1"/>
+                </a:solidFill>
+                <a:effectLst/>
+                <a:latin typeface="Arial" panose="020B0604020202020204" pitchFamily="34" charset="0"/>
+              </a:rPr>
+              <a:t>ilə).</a:t>
+            </a:r>
+          </a:p>
+          <a:p>
+            <a:pPr>
+              <a:lnSpc>
+                <a:spcPct val="150000"/>
+              </a:lnSpc>
+              <a:buNone/>
+            </a:pPr>
+            <a:endParaRPr kumimoji="0" lang="en-US" altLang="en-US" sz="1300" b="0" i="0" u="none" strike="noStrike" cap="none" normalizeH="0" baseline="0">
+              <a:ln>
+                <a:noFill/>
+              </a:ln>
+              <a:solidFill>
+                <a:schemeClr val="tx1"/>
+              </a:solidFill>
+              <a:effectLst/>
+              <a:latin typeface="Arial" panose="020B0604020202020204" pitchFamily="34" charset="0"/>
+            </a:endParaRPr>
+          </a:p>
+          <a:p>
+            <a:pPr>
+              <a:lnSpc>
+                <a:spcPct val="150000"/>
+              </a:lnSpc>
+              <a:buNone/>
+            </a:pPr>
+            <a:r>
+              <a:rPr kumimoji="0" lang="en-US" altLang="en-US" sz="1300" b="0" i="0" u="none" strike="noStrike" cap="none" normalizeH="0" baseline="0">
+                <a:ln>
+                  <a:noFill/>
+                </a:ln>
+                <a:solidFill>
+                  <a:schemeClr val="tx1"/>
+                </a:solidFill>
+                <a:effectLst/>
+                <a:latin typeface="Arial" panose="020B0604020202020204" pitchFamily="34" charset="0"/>
+              </a:rPr>
+              <a:t>Nə vaxt istifadə olunur?</a:t>
+            </a:r>
+          </a:p>
+          <a:p>
+            <a:pPr>
+              <a:lnSpc>
+                <a:spcPct val="150000"/>
+              </a:lnSpc>
+              <a:buNone/>
+            </a:pPr>
+            <a:endParaRPr kumimoji="0" lang="en-US" altLang="en-US" sz="1300" b="0" i="0" u="none" strike="noStrike" cap="none" normalizeH="0" baseline="0">
+              <a:ln>
+                <a:noFill/>
+              </a:ln>
+              <a:solidFill>
+                <a:schemeClr val="tx1"/>
+              </a:solidFill>
+              <a:effectLst/>
+              <a:latin typeface="Arial" panose="020B0604020202020204" pitchFamily="34" charset="0"/>
+            </a:endParaRPr>
+          </a:p>
+          <a:p>
+            <a:pPr>
+              <a:lnSpc>
+                <a:spcPct val="150000"/>
+              </a:lnSpc>
+              <a:buNone/>
+            </a:pPr>
+            <a:r>
+              <a:rPr kumimoji="0" lang="en-US" altLang="en-US" sz="1300" b="0" i="0" u="none" strike="noStrike" cap="none" normalizeH="0" baseline="0">
+                <a:ln>
+                  <a:noFill/>
+                </a:ln>
+                <a:solidFill>
+                  <a:schemeClr val="tx1"/>
+                </a:solidFill>
+                <a:effectLst/>
+                <a:latin typeface="Arial" panose="020B0604020202020204" pitchFamily="34" charset="0"/>
+              </a:rPr>
+              <a:t>Strukturu dəyişib yenidən sıfırdan tətbiq etmək istədikdə. Adətən developerlər bunu çox istifadə edir.</a:t>
+            </a:r>
+          </a:p>
+          <a:p>
+            <a:pPr>
+              <a:lnSpc>
+                <a:spcPct val="150000"/>
+              </a:lnSpc>
+              <a:buNone/>
+            </a:pPr>
+            <a:endParaRPr kumimoji="0" lang="en-US" altLang="en-US" sz="1300" b="0" i="0" u="none" strike="noStrike" cap="none" normalizeH="0" baseline="0">
+              <a:ln>
+                <a:noFill/>
+              </a:ln>
+              <a:solidFill>
+                <a:schemeClr val="tx1"/>
+              </a:solidFill>
+              <a:effectLst/>
+              <a:latin typeface="Arial" panose="020B0604020202020204" pitchFamily="34" charset="0"/>
+            </a:endParaRPr>
+          </a:p>
+          <a:p>
+            <a:pPr>
+              <a:lnSpc>
+                <a:spcPct val="150000"/>
+              </a:lnSpc>
+              <a:buNone/>
+            </a:pPr>
+            <a:r>
+              <a:rPr kumimoji="0" lang="en-US" altLang="en-US" sz="1300" b="1" i="0" u="none" strike="noStrike" cap="none" normalizeH="0" baseline="0">
+                <a:ln>
+                  <a:noFill/>
+                </a:ln>
+                <a:solidFill>
+                  <a:schemeClr val="tx1"/>
+                </a:solidFill>
+                <a:effectLst/>
+                <a:latin typeface="Arial" panose="020B0604020202020204" pitchFamily="34" charset="0"/>
+              </a:rPr>
+              <a:t>Əlavə İmkan</a:t>
+            </a:r>
+            <a:r>
+              <a:rPr kumimoji="0" lang="en-US" altLang="en-US" sz="1300" b="0" i="0" u="none" strike="noStrike" cap="none" normalizeH="0" baseline="0">
+                <a:ln>
+                  <a:noFill/>
+                </a:ln>
+                <a:solidFill>
+                  <a:schemeClr val="tx1"/>
+                </a:solidFill>
+                <a:effectLst/>
+                <a:latin typeface="Arial" panose="020B0604020202020204" pitchFamily="34" charset="0"/>
+              </a:rPr>
+              <a:t>:</a:t>
+            </a:r>
+          </a:p>
+          <a:p>
+            <a:pPr>
+              <a:lnSpc>
+                <a:spcPct val="150000"/>
+              </a:lnSpc>
+              <a:buNone/>
+            </a:pPr>
+            <a:r>
+              <a:rPr kumimoji="0" lang="en-US" altLang="en-US" sz="1300" b="1" i="0" u="none" strike="noStrike" cap="none" normalizeH="0" baseline="0">
+                <a:ln>
+                  <a:noFill/>
+                </a:ln>
+                <a:solidFill>
+                  <a:schemeClr val="tx1"/>
+                </a:solidFill>
+                <a:effectLst/>
+                <a:latin typeface="Arial" panose="020B0604020202020204" pitchFamily="34" charset="0"/>
+              </a:rPr>
+              <a:t>--seed </a:t>
+            </a:r>
+            <a:r>
+              <a:rPr kumimoji="0" lang="en-US" altLang="en-US" sz="1300" b="0" i="0" u="none" strike="noStrike" cap="none" normalizeH="0" baseline="0">
+                <a:ln>
+                  <a:noFill/>
+                </a:ln>
+                <a:solidFill>
+                  <a:schemeClr val="tx1"/>
+                </a:solidFill>
+                <a:effectLst/>
+                <a:latin typeface="Arial" panose="020B0604020202020204" pitchFamily="34" charset="0"/>
+              </a:rPr>
+              <a:t>opsiyası ilə birlikdə istifadə oluna bilər (seeding də edilsin deyə). </a:t>
+            </a:r>
+            <a:r>
+              <a:rPr kumimoji="0" lang="en-US" altLang="en-US" sz="1300" b="1" i="0" u="none" strike="noStrike" cap="none" normalizeH="0" baseline="0">
+                <a:ln>
+                  <a:noFill/>
+                </a:ln>
+                <a:solidFill>
+                  <a:schemeClr val="tx1"/>
+                </a:solidFill>
+                <a:effectLst/>
+                <a:latin typeface="Arial" panose="020B0604020202020204" pitchFamily="34" charset="0"/>
+              </a:rPr>
+              <a:t>SEED</a:t>
+            </a:r>
+            <a:r>
+              <a:rPr kumimoji="0" lang="en-US" altLang="en-US" sz="1300" b="0" i="0" u="none" strike="noStrike" cap="none" normalizeH="0" baseline="0">
+                <a:ln>
+                  <a:noFill/>
+                </a:ln>
+                <a:solidFill>
+                  <a:schemeClr val="tx1"/>
+                </a:solidFill>
+                <a:effectLst/>
+                <a:latin typeface="Arial" panose="020B0604020202020204" pitchFamily="34" charset="0"/>
+              </a:rPr>
+              <a:t> haqqında sonra.</a:t>
+            </a:r>
+          </a:p>
+        </p:txBody>
+      </p:sp>
+    </p:spTree>
+    <p:extLst>
+      <p:ext uri="{BB962C8B-B14F-4D97-AF65-F5344CB8AC3E}">
+        <p14:creationId xmlns:p14="http://schemas.microsoft.com/office/powerpoint/2010/main" val="2017144752"/>
+      </p:ext>
+    </p:extLst>
+  </p:cSld>
+  <p:clrMapOvr>
+    <a:masterClrMapping/>
+  </p:clrMapOvr>
+</p:sld>
+</file>
+
+<file path=ppt/slides/slide4.xml><?xml version="1.0" encoding="utf-8"?>
+<p:sld xmlns:a="http://schemas.openxmlformats.org/drawingml/2006/main" xmlns:r="http://schemas.openxmlformats.org/officeDocument/2006/relationships" xmlns:p="http://schemas.openxmlformats.org/presentationml/2006/main">
+  <p:cSld>
+    <p:spTree>
+      <p:nvGrpSpPr>
+        <p:cNvPr id="1" name="">
+          <a:extLst>
+            <a:ext uri="{FF2B5EF4-FFF2-40B4-BE49-F238E27FC236}">
+              <a16:creationId xmlns:a16="http://schemas.microsoft.com/office/drawing/2014/main" id="{B506BC57-CE72-C71E-6B60-01E7D0DB48A8}"/>
+            </a:ext>
+          </a:extLst>
+        </p:cNvPr>
+        <p:cNvGrpSpPr/>
+        <p:nvPr/>
+      </p:nvGrpSpPr>
+      <p:grpSpPr>
+        <a:xfrm>
+          <a:off x="0" y="0"/>
+          <a:ext cx="0" cy="0"/>
+          <a:chOff x="0" y="0"/>
+          <a:chExt cx="0" cy="0"/>
+        </a:xfrm>
+      </p:grpSpPr>
+      <p:sp>
+        <p:nvSpPr>
+          <p:cNvPr id="3" name="TextBox 2">
+            <a:extLst>
+              <a:ext uri="{FF2B5EF4-FFF2-40B4-BE49-F238E27FC236}">
+                <a16:creationId xmlns:a16="http://schemas.microsoft.com/office/drawing/2014/main" id="{FE43428E-0BDC-374E-840C-4BCEA29F905C}"/>
+              </a:ext>
+            </a:extLst>
+          </p:cNvPr>
+          <p:cNvSpPr txBox="1"/>
+          <p:nvPr/>
+        </p:nvSpPr>
+        <p:spPr>
+          <a:xfrm>
+            <a:off x="217714" y="255046"/>
+            <a:ext cx="11756571" cy="955518"/>
+          </a:xfrm>
+          <a:prstGeom prst="rect">
+            <a:avLst/>
+          </a:prstGeom>
+          <a:noFill/>
+        </p:spPr>
+        <p:txBody>
+          <a:bodyPr wrap="square">
+            <a:spAutoFit/>
+          </a:bodyPr>
+          <a:lstStyle/>
+          <a:p>
+            <a:pPr>
+              <a:lnSpc>
+                <a:spcPct val="150000"/>
+              </a:lnSpc>
+              <a:buNone/>
+            </a:pPr>
+            <a:r>
+              <a:rPr kumimoji="0" lang="en-US" altLang="en-US" sz="1300" b="1" i="0" u="none" strike="noStrike" cap="none" normalizeH="0" baseline="0">
+                <a:ln>
+                  <a:noFill/>
+                </a:ln>
+                <a:solidFill>
+                  <a:schemeClr val="tx1"/>
+                </a:solidFill>
+                <a:effectLst/>
+                <a:latin typeface="Arial" panose="020B0604020202020204" pitchFamily="34" charset="0"/>
+              </a:rPr>
+              <a:t>Digər Faydalı Əmrlər</a:t>
+            </a:r>
+            <a:endParaRPr kumimoji="0" lang="az-Latn-AZ" altLang="en-US" sz="1300" b="1" i="0" u="none" strike="noStrike" cap="none" normalizeH="0" baseline="0">
+              <a:ln>
+                <a:noFill/>
+              </a:ln>
+              <a:solidFill>
+                <a:schemeClr val="tx1"/>
+              </a:solidFill>
+              <a:effectLst/>
+              <a:latin typeface="Arial" panose="020B0604020202020204" pitchFamily="34" charset="0"/>
+            </a:endParaRPr>
+          </a:p>
+          <a:p>
+            <a:pPr>
+              <a:lnSpc>
+                <a:spcPct val="150000"/>
+              </a:lnSpc>
+              <a:buNone/>
+            </a:pPr>
+            <a:endParaRPr lang="az-Latn-AZ" altLang="en-US" sz="1300">
+              <a:latin typeface="Arial" panose="020B0604020202020204" pitchFamily="34" charset="0"/>
+            </a:endParaRPr>
+          </a:p>
+          <a:p>
+            <a:pPr>
+              <a:lnSpc>
+                <a:spcPct val="150000"/>
+              </a:lnSpc>
+              <a:buNone/>
+            </a:pPr>
+            <a:endParaRPr kumimoji="0" lang="en-US" altLang="en-US" sz="1300" b="0" i="0" u="none" strike="noStrike" cap="none" normalizeH="0" baseline="0">
+              <a:ln>
+                <a:noFill/>
+              </a:ln>
+              <a:solidFill>
+                <a:schemeClr val="tx1"/>
+              </a:solidFill>
+              <a:effectLst/>
+              <a:latin typeface="Arial" panose="020B0604020202020204" pitchFamily="34" charset="0"/>
+            </a:endParaRPr>
+          </a:p>
+        </p:txBody>
+      </p:sp>
+      <p:pic>
+        <p:nvPicPr>
+          <p:cNvPr id="4" name="Picture 3">
+            <a:extLst>
+              <a:ext uri="{FF2B5EF4-FFF2-40B4-BE49-F238E27FC236}">
+                <a16:creationId xmlns:a16="http://schemas.microsoft.com/office/drawing/2014/main" id="{FBC27808-8E55-0A36-D866-8C977DDDCF16}"/>
+              </a:ext>
+            </a:extLst>
+          </p:cNvPr>
+          <p:cNvPicPr>
+            <a:picLocks noChangeAspect="1"/>
+          </p:cNvPicPr>
+          <p:nvPr/>
+        </p:nvPicPr>
+        <p:blipFill>
+          <a:blip r:embed="rId2"/>
+          <a:stretch>
+            <a:fillRect/>
+          </a:stretch>
+        </p:blipFill>
+        <p:spPr>
+          <a:xfrm>
+            <a:off x="217714" y="968363"/>
+            <a:ext cx="9507277" cy="2753109"/>
+          </a:xfrm>
+          <a:prstGeom prst="rect">
+            <a:avLst/>
+          </a:prstGeom>
+        </p:spPr>
+      </p:pic>
+    </p:spTree>
+    <p:extLst>
+      <p:ext uri="{BB962C8B-B14F-4D97-AF65-F5344CB8AC3E}">
+        <p14:creationId xmlns:p14="http://schemas.microsoft.com/office/powerpoint/2010/main" val="3484820005"/>
+      </p:ext>
+    </p:extLst>
+  </p:cSld>
+  <p:clrMapOvr>
+    <a:masterClrMapping/>
+  </p:clrMapOvr>
+</p:sld>
+</file>
+
+<file path=ppt/slides/slide5.xml><?xml version="1.0" encoding="utf-8"?>
+<p:sld xmlns:a="http://schemas.openxmlformats.org/drawingml/2006/main" xmlns:r="http://schemas.openxmlformats.org/officeDocument/2006/relationships" xmlns:p="http://schemas.openxmlformats.org/presentationml/2006/main">
+  <p:cSld>
+    <p:spTree>
+      <p:nvGrpSpPr>
+        <p:cNvPr id="1" name="">
+          <a:extLst>
+            <a:ext uri="{FF2B5EF4-FFF2-40B4-BE49-F238E27FC236}">
+              <a16:creationId xmlns:a16="http://schemas.microsoft.com/office/drawing/2014/main" id="{5C216E51-32A4-792C-5739-433ABB187632}"/>
+            </a:ext>
+          </a:extLst>
+        </p:cNvPr>
+        <p:cNvGrpSpPr/>
+        <p:nvPr/>
+      </p:nvGrpSpPr>
+      <p:grpSpPr>
+        <a:xfrm>
+          <a:off x="0" y="0"/>
+          <a:ext cx="0" cy="0"/>
+          <a:chOff x="0" y="0"/>
+          <a:chExt cx="0" cy="0"/>
+        </a:xfrm>
+      </p:grpSpPr>
+      <p:sp>
+        <p:nvSpPr>
+          <p:cNvPr id="3" name="TextBox 2">
+            <a:extLst>
+              <a:ext uri="{FF2B5EF4-FFF2-40B4-BE49-F238E27FC236}">
+                <a16:creationId xmlns:a16="http://schemas.microsoft.com/office/drawing/2014/main" id="{3A818091-8661-8D67-AA81-9E1EDDEFF9B7}"/>
+              </a:ext>
+            </a:extLst>
+          </p:cNvPr>
+          <p:cNvSpPr txBox="1"/>
+          <p:nvPr/>
+        </p:nvSpPr>
+        <p:spPr>
+          <a:xfrm>
+            <a:off x="217714" y="255046"/>
             <a:ext cx="11756571" cy="355354"/>
           </a:xfrm>
           <a:prstGeom prst="rect">
@@ -3472,7 +5111,7 @@
     </p:spTree>
     <p:extLst>
       <p:ext uri="{BB962C8B-B14F-4D97-AF65-F5344CB8AC3E}">
-        <p14:creationId xmlns:p14="http://schemas.microsoft.com/office/powerpoint/2010/main" val="1186759978"/>
+        <p14:creationId xmlns:p14="http://schemas.microsoft.com/office/powerpoint/2010/main" val="1388523511"/>
       </p:ext>
     </p:extLst>
   </p:cSld>
